--- a/이벤트.pptx
+++ b/이벤트.pptx
@@ -5219,7 +5219,7 @@
         <p:spPr>
           <a:xfrm>
             <a:off x="487913" y="1003973"/>
-            <a:ext cx="11319388" cy="4247317"/>
+            <a:ext cx="11319388" cy="4524315"/>
           </a:xfrm>
           <a:prstGeom prst="rect">
             <a:avLst/>
@@ -5416,6 +5416,22 @@
             <a:r>
               <a:rPr lang="ko-KR" altLang="en-US" dirty="0"/>
               <a:t>추가 능력이란 해당 회차에서 일어날 좋은 일 세가지</a:t>
+            </a:r>
+            <a:r>
+              <a:rPr lang="en-US" altLang="ko-KR" dirty="0"/>
+              <a:t>. </a:t>
+            </a:r>
+            <a:r>
+              <a:rPr lang="ko-KR" altLang="en-US" dirty="0"/>
+              <a:t>일회성의 강력한 버프는 여기에 몰아두자</a:t>
+            </a:r>
+            <a:r>
+              <a:rPr lang="en-US" altLang="ko-KR" dirty="0"/>
+              <a:t>. </a:t>
+            </a:r>
+            <a:r>
+              <a:rPr lang="ko-KR" altLang="en-US" dirty="0"/>
+              <a:t>게임 체인저의 역할을 해줄 기능</a:t>
             </a:r>
             <a:r>
               <a:rPr lang="en-US" altLang="ko-KR" dirty="0"/>
@@ -5575,7 +5591,7 @@
         <p:spPr>
           <a:xfrm>
             <a:off x="487913" y="1003973"/>
-            <a:ext cx="11319388" cy="1477328"/>
+            <a:ext cx="11319388" cy="1754326"/>
           </a:xfrm>
           <a:prstGeom prst="rect">
             <a:avLst/>
@@ -5632,6 +5648,13 @@
               <a:rPr lang="en-US" altLang="ko-KR" dirty="0"/>
               <a:t>.</a:t>
             </a:r>
+          </a:p>
+          <a:p>
+            <a:pPr marL="285750" indent="-285750">
+              <a:buFontTx/>
+              <a:buChar char="-"/>
+            </a:pPr>
+            <a:endParaRPr lang="en-US" altLang="ko-KR" dirty="0"/>
           </a:p>
           <a:p>
             <a:pPr marL="285750" indent="-285750">
@@ -5722,7 +5745,7 @@
         <p:spPr>
           <a:xfrm>
             <a:off x="487913" y="1003973"/>
-            <a:ext cx="11319388" cy="2031325"/>
+            <a:ext cx="11319388" cy="2585323"/>
           </a:xfrm>
           <a:prstGeom prst="rect">
             <a:avLst/>
@@ -5856,6 +5879,92 @@
             <a:r>
               <a:rPr lang="en-US" altLang="ko-KR" dirty="0"/>
               <a:t>.</a:t>
+            </a:r>
+          </a:p>
+          <a:p>
+            <a:pPr marL="285750" indent="-285750">
+              <a:buFontTx/>
+              <a:buChar char="-"/>
+            </a:pPr>
+            <a:r>
+              <a:rPr lang="ko-KR" altLang="en-US" dirty="0"/>
+              <a:t>무기를 총으로 강제한다</a:t>
+            </a:r>
+            <a:r>
+              <a:rPr lang="en-US" altLang="ko-KR" dirty="0"/>
+              <a:t>. + </a:t>
+            </a:r>
+            <a:r>
+              <a:rPr lang="ko-KR" altLang="en-US" dirty="0"/>
+              <a:t>특정 </a:t>
+            </a:r>
+            <a:r>
+              <a:rPr lang="ko-KR" altLang="en-US" dirty="0" err="1"/>
+              <a:t>페이즈</a:t>
+            </a:r>
+            <a:r>
+              <a:rPr lang="ko-KR" altLang="en-US" dirty="0"/>
+              <a:t> 이후</a:t>
+            </a:r>
+            <a:r>
+              <a:rPr lang="en-US" altLang="ko-KR" dirty="0"/>
+              <a:t>, </a:t>
+            </a:r>
+            <a:r>
+              <a:rPr lang="ko-KR" altLang="en-US" dirty="0"/>
+              <a:t>러시안 </a:t>
+            </a:r>
+            <a:r>
+              <a:rPr lang="ko-KR" altLang="en-US" dirty="0" err="1"/>
+              <a:t>룰렛</a:t>
+            </a:r>
+            <a:r>
+              <a:rPr lang="ko-KR" altLang="en-US" dirty="0"/>
+              <a:t> 사용 가능</a:t>
+            </a:r>
+            <a:r>
+              <a:rPr lang="en-US" altLang="ko-KR" dirty="0"/>
+              <a:t>: </a:t>
+            </a:r>
+            <a:r>
+              <a:rPr lang="ko-KR" altLang="en-US" dirty="0"/>
+              <a:t>최종 확률이 </a:t>
+            </a:r>
+            <a:r>
+              <a:rPr lang="en-US" altLang="ko-KR" dirty="0"/>
+              <a:t>17% </a:t>
+            </a:r>
+            <a:r>
+              <a:rPr lang="ko-KR" altLang="en-US" dirty="0"/>
+              <a:t>이상이면 사용 가능한 수로</a:t>
+            </a:r>
+            <a:r>
+              <a:rPr lang="en-US" altLang="ko-KR" dirty="0"/>
+              <a:t>, </a:t>
+            </a:r>
+            <a:r>
+              <a:rPr lang="ko-KR" altLang="en-US" dirty="0"/>
+              <a:t>일반적 전투 대신 </a:t>
+            </a:r>
+            <a:r>
+              <a:rPr lang="en-US" altLang="ko-KR" dirty="0"/>
+              <a:t>6</a:t>
+            </a:r>
+            <a:r>
+              <a:rPr lang="ko-KR" altLang="en-US" dirty="0"/>
+              <a:t>번의 </a:t>
+            </a:r>
+            <a:r>
+              <a:rPr lang="ko-KR" altLang="en-US" dirty="0" err="1"/>
+              <a:t>룰렛을</a:t>
+            </a:r>
+            <a:r>
+              <a:rPr lang="ko-KR" altLang="en-US" dirty="0"/>
+              <a:t> 돌려 먼저 죽는 사람을 정할 수 있다</a:t>
+            </a:r>
+            <a:r>
+              <a:rPr lang="en-US" altLang="ko-KR" dirty="0"/>
+              <a:t>. </a:t>
             </a:r>
           </a:p>
           <a:p>
@@ -5947,7 +6056,7 @@
         <p:spPr>
           <a:xfrm>
             <a:off x="487913" y="1003973"/>
-            <a:ext cx="11319388" cy="2308324"/>
+            <a:ext cx="11319388" cy="2585323"/>
           </a:xfrm>
           <a:prstGeom prst="rect">
             <a:avLst/>
@@ -5997,6 +6106,44 @@
             <a:r>
               <a:rPr lang="en-US" altLang="ko-KR" dirty="0"/>
               <a:t>.</a:t>
+            </a:r>
+          </a:p>
+          <a:p>
+            <a:pPr marL="285750" indent="-285750">
+              <a:buFontTx/>
+              <a:buChar char="-"/>
+            </a:pPr>
+            <a:r>
+              <a:rPr lang="ko-KR" altLang="en-US" dirty="0"/>
+              <a:t>보스가 아마 한 </a:t>
+            </a:r>
+            <a:r>
+              <a:rPr lang="en-US" altLang="ko-KR" dirty="0"/>
+              <a:t>15</a:t>
+            </a:r>
+            <a:r>
+              <a:rPr lang="ko-KR" altLang="en-US" dirty="0"/>
+              <a:t>마리 정도 나올 것 같은데</a:t>
+            </a:r>
+            <a:r>
+              <a:rPr lang="en-US" altLang="ko-KR" dirty="0"/>
+              <a:t>, </a:t>
+            </a:r>
+            <a:r>
+              <a:rPr lang="ko-KR" altLang="en-US" dirty="0"/>
+              <a:t>그 중 </a:t>
+            </a:r>
+            <a:r>
+              <a:rPr lang="ko-KR" altLang="en-US" dirty="0" err="1"/>
+              <a:t>열마리를</a:t>
+            </a:r>
+            <a:r>
+              <a:rPr lang="ko-KR" altLang="en-US" dirty="0"/>
+              <a:t> 각 동료와 링크하여 숙적 시스템 개발</a:t>
+            </a:r>
+            <a:r>
+              <a:rPr lang="en-US" altLang="ko-KR" dirty="0"/>
+              <a:t>?</a:t>
             </a:r>
           </a:p>
           <a:p>

--- a/이벤트.pptx
+++ b/이벤트.pptx
@@ -5,7 +5,7 @@
     <p:sldMasterId id="2147483648" r:id="rId1"/>
   </p:sldMasterIdLst>
   <p:notesMasterIdLst>
-    <p:notesMasterId r:id="rId13"/>
+    <p:notesMasterId r:id="rId14"/>
   </p:notesMasterIdLst>
   <p:sldIdLst>
     <p:sldId id="266" r:id="rId2"/>
@@ -19,6 +19,7 @@
     <p:sldId id="273" r:id="rId10"/>
     <p:sldId id="274" r:id="rId11"/>
     <p:sldId id="276" r:id="rId12"/>
+    <p:sldId id="277" r:id="rId13"/>
   </p:sldIdLst>
   <p:sldSz cx="12192000" cy="6858000"/>
   <p:notesSz cx="6858000" cy="9144000"/>
@@ -207,7 +208,7 @@
           <a:p>
             <a:fld id="{098D9883-1617-4681-BA43-91DCCEA255A3}" type="datetimeFigureOut">
               <a:rPr lang="ko-KR" altLang="en-US" smtClean="0"/>
-              <a:t>2024-04-12</a:t>
+              <a:t>2024-07-15</a:t>
             </a:fld>
             <a:endParaRPr lang="ko-KR" altLang="en-US"/>
           </a:p>
@@ -726,6 +727,90 @@
 </p:notes>
 </file>
 
+<file path=ppt/notesSlides/notesSlide12.xml><?xml version="1.0" encoding="utf-8"?>
+<p:notes xmlns:a="http://schemas.openxmlformats.org/drawingml/2006/main" xmlns:r="http://schemas.openxmlformats.org/officeDocument/2006/relationships" xmlns:p="http://schemas.openxmlformats.org/presentationml/2006/main">
+  <p:cSld>
+    <p:spTree>
+      <p:nvGrpSpPr>
+        <p:cNvPr id="1" name=""/>
+        <p:cNvGrpSpPr/>
+        <p:nvPr/>
+      </p:nvGrpSpPr>
+      <p:grpSpPr>
+        <a:xfrm>
+          <a:off x="0" y="0"/>
+          <a:ext cx="0" cy="0"/>
+          <a:chOff x="0" y="0"/>
+          <a:chExt cx="0" cy="0"/>
+        </a:xfrm>
+      </p:grpSpPr>
+      <p:sp>
+        <p:nvSpPr>
+          <p:cNvPr id="2" name="슬라이드 이미지 개체 틀 1"/>
+          <p:cNvSpPr>
+            <a:spLocks noGrp="1" noRot="1" noChangeAspect="1"/>
+          </p:cNvSpPr>
+          <p:nvPr>
+            <p:ph type="sldImg"/>
+          </p:nvPr>
+        </p:nvSpPr>
+        <p:spPr/>
+      </p:sp>
+      <p:sp>
+        <p:nvSpPr>
+          <p:cNvPr id="3" name="슬라이드 노트 개체 틀 2"/>
+          <p:cNvSpPr>
+            <a:spLocks noGrp="1"/>
+          </p:cNvSpPr>
+          <p:nvPr>
+            <p:ph type="body" idx="1"/>
+          </p:nvPr>
+        </p:nvSpPr>
+        <p:spPr/>
+        <p:txBody>
+          <a:bodyPr/>
+          <a:lstStyle/>
+          <a:p>
+            <a:endParaRPr lang="ko-KR" altLang="en-US" dirty="0"/>
+          </a:p>
+        </p:txBody>
+      </p:sp>
+      <p:sp>
+        <p:nvSpPr>
+          <p:cNvPr id="4" name="슬라이드 번호 개체 틀 3"/>
+          <p:cNvSpPr>
+            <a:spLocks noGrp="1"/>
+          </p:cNvSpPr>
+          <p:nvPr>
+            <p:ph type="sldNum" sz="quarter" idx="5"/>
+          </p:nvPr>
+        </p:nvSpPr>
+        <p:spPr/>
+        <p:txBody>
+          <a:bodyPr/>
+          <a:lstStyle/>
+          <a:p>
+            <a:fld id="{72032EB5-ABEB-49F2-BBDC-81C17B42AB0D}" type="slidenum">
+              <a:rPr lang="ko-KR" altLang="en-US" smtClean="0"/>
+              <a:t>12</a:t>
+            </a:fld>
+            <a:endParaRPr lang="ko-KR" altLang="en-US"/>
+          </a:p>
+        </p:txBody>
+      </p:sp>
+    </p:spTree>
+    <p:extLst>
+      <p:ext uri="{BB962C8B-B14F-4D97-AF65-F5344CB8AC3E}">
+        <p14:creationId xmlns:p14="http://schemas.microsoft.com/office/powerpoint/2010/main" val="2041518828"/>
+      </p:ext>
+    </p:extLst>
+  </p:cSld>
+  <p:clrMapOvr>
+    <a:masterClrMapping/>
+  </p:clrMapOvr>
+</p:notes>
+</file>
+
 <file path=ppt/notesSlides/notesSlide2.xml><?xml version="1.0" encoding="utf-8"?>
 <p:notes xmlns:a="http://schemas.openxmlformats.org/drawingml/2006/main" xmlns:r="http://schemas.openxmlformats.org/officeDocument/2006/relationships" xmlns:p="http://schemas.openxmlformats.org/presentationml/2006/main">
   <p:cSld>
@@ -1545,7 +1630,7 @@
           <a:p>
             <a:fld id="{5FF1DCF6-4881-4944-A4DB-9A9C3A72CFA7}" type="datetimeFigureOut">
               <a:rPr lang="ko-KR" altLang="en-US" smtClean="0"/>
-              <a:t>2024-04-12</a:t>
+              <a:t>2024-07-15</a:t>
             </a:fld>
             <a:endParaRPr lang="ko-KR" altLang="en-US"/>
           </a:p>
@@ -1743,7 +1828,7 @@
           <a:p>
             <a:fld id="{5FF1DCF6-4881-4944-A4DB-9A9C3A72CFA7}" type="datetimeFigureOut">
               <a:rPr lang="ko-KR" altLang="en-US" smtClean="0"/>
-              <a:t>2024-04-12</a:t>
+              <a:t>2024-07-15</a:t>
             </a:fld>
             <a:endParaRPr lang="ko-KR" altLang="en-US"/>
           </a:p>
@@ -1951,7 +2036,7 @@
           <a:p>
             <a:fld id="{5FF1DCF6-4881-4944-A4DB-9A9C3A72CFA7}" type="datetimeFigureOut">
               <a:rPr lang="ko-KR" altLang="en-US" smtClean="0"/>
-              <a:t>2024-04-12</a:t>
+              <a:t>2024-07-15</a:t>
             </a:fld>
             <a:endParaRPr lang="ko-KR" altLang="en-US"/>
           </a:p>
@@ -2149,7 +2234,7 @@
           <a:p>
             <a:fld id="{5FF1DCF6-4881-4944-A4DB-9A9C3A72CFA7}" type="datetimeFigureOut">
               <a:rPr lang="ko-KR" altLang="en-US" smtClean="0"/>
-              <a:t>2024-04-12</a:t>
+              <a:t>2024-07-15</a:t>
             </a:fld>
             <a:endParaRPr lang="ko-KR" altLang="en-US"/>
           </a:p>
@@ -2424,7 +2509,7 @@
           <a:p>
             <a:fld id="{5FF1DCF6-4881-4944-A4DB-9A9C3A72CFA7}" type="datetimeFigureOut">
               <a:rPr lang="ko-KR" altLang="en-US" smtClean="0"/>
-              <a:t>2024-04-12</a:t>
+              <a:t>2024-07-15</a:t>
             </a:fld>
             <a:endParaRPr lang="ko-KR" altLang="en-US"/>
           </a:p>
@@ -2689,7 +2774,7 @@
           <a:p>
             <a:fld id="{5FF1DCF6-4881-4944-A4DB-9A9C3A72CFA7}" type="datetimeFigureOut">
               <a:rPr lang="ko-KR" altLang="en-US" smtClean="0"/>
-              <a:t>2024-04-12</a:t>
+              <a:t>2024-07-15</a:t>
             </a:fld>
             <a:endParaRPr lang="ko-KR" altLang="en-US"/>
           </a:p>
@@ -3101,7 +3186,7 @@
           <a:p>
             <a:fld id="{5FF1DCF6-4881-4944-A4DB-9A9C3A72CFA7}" type="datetimeFigureOut">
               <a:rPr lang="ko-KR" altLang="en-US" smtClean="0"/>
-              <a:t>2024-04-12</a:t>
+              <a:t>2024-07-15</a:t>
             </a:fld>
             <a:endParaRPr lang="ko-KR" altLang="en-US"/>
           </a:p>
@@ -3242,7 +3327,7 @@
           <a:p>
             <a:fld id="{5FF1DCF6-4881-4944-A4DB-9A9C3A72CFA7}" type="datetimeFigureOut">
               <a:rPr lang="ko-KR" altLang="en-US" smtClean="0"/>
-              <a:t>2024-04-12</a:t>
+              <a:t>2024-07-15</a:t>
             </a:fld>
             <a:endParaRPr lang="ko-KR" altLang="en-US"/>
           </a:p>
@@ -3355,7 +3440,7 @@
           <a:p>
             <a:fld id="{5FF1DCF6-4881-4944-A4DB-9A9C3A72CFA7}" type="datetimeFigureOut">
               <a:rPr lang="ko-KR" altLang="en-US" smtClean="0"/>
-              <a:t>2024-04-12</a:t>
+              <a:t>2024-07-15</a:t>
             </a:fld>
             <a:endParaRPr lang="ko-KR" altLang="en-US"/>
           </a:p>
@@ -3666,7 +3751,7 @@
           <a:p>
             <a:fld id="{5FF1DCF6-4881-4944-A4DB-9A9C3A72CFA7}" type="datetimeFigureOut">
               <a:rPr lang="ko-KR" altLang="en-US" smtClean="0"/>
-              <a:t>2024-04-12</a:t>
+              <a:t>2024-07-15</a:t>
             </a:fld>
             <a:endParaRPr lang="ko-KR" altLang="en-US"/>
           </a:p>
@@ -3954,7 +4039,7 @@
           <a:p>
             <a:fld id="{5FF1DCF6-4881-4944-A4DB-9A9C3A72CFA7}" type="datetimeFigureOut">
               <a:rPr lang="ko-KR" altLang="en-US" smtClean="0"/>
-              <a:t>2024-04-12</a:t>
+              <a:t>2024-07-15</a:t>
             </a:fld>
             <a:endParaRPr lang="ko-KR" altLang="en-US"/>
           </a:p>
@@ -4195,7 +4280,7 @@
           <a:p>
             <a:fld id="{5FF1DCF6-4881-4944-A4DB-9A9C3A72CFA7}" type="datetimeFigureOut">
               <a:rPr lang="ko-KR" altLang="en-US" smtClean="0"/>
-              <a:t>2024-04-12</a:t>
+              <a:t>2024-07-15</a:t>
             </a:fld>
             <a:endParaRPr lang="ko-KR" altLang="en-US"/>
           </a:p>
@@ -5152,6 +5237,389 @@
 </p:sld>
 </file>
 
+<file path=ppt/slides/slide12.xml><?xml version="1.0" encoding="utf-8"?>
+<p:sld xmlns:a="http://schemas.openxmlformats.org/drawingml/2006/main" xmlns:r="http://schemas.openxmlformats.org/officeDocument/2006/relationships" xmlns:p="http://schemas.openxmlformats.org/presentationml/2006/main">
+  <p:cSld>
+    <p:spTree>
+      <p:nvGrpSpPr>
+        <p:cNvPr id="1" name=""/>
+        <p:cNvGrpSpPr/>
+        <p:nvPr/>
+      </p:nvGrpSpPr>
+      <p:grpSpPr>
+        <a:xfrm>
+          <a:off x="0" y="0"/>
+          <a:ext cx="0" cy="0"/>
+          <a:chOff x="0" y="0"/>
+          <a:chExt cx="0" cy="0"/>
+        </a:xfrm>
+      </p:grpSpPr>
+      <p:sp>
+        <p:nvSpPr>
+          <p:cNvPr id="9" name="TextBox 8">
+            <a:extLst>
+              <a:ext uri="{FF2B5EF4-FFF2-40B4-BE49-F238E27FC236}">
+                <a16:creationId xmlns:a16="http://schemas.microsoft.com/office/drawing/2014/main" id="{7C3AEEB5-635B-CC9E-A34E-9221454EB919}"/>
+              </a:ext>
+            </a:extLst>
+          </p:cNvPr>
+          <p:cNvSpPr txBox="1"/>
+          <p:nvPr/>
+        </p:nvSpPr>
+        <p:spPr>
+          <a:xfrm>
+            <a:off x="574431" y="439615"/>
+            <a:ext cx="646331" cy="369332"/>
+          </a:xfrm>
+          <a:prstGeom prst="rect">
+            <a:avLst/>
+          </a:prstGeom>
+          <a:noFill/>
+        </p:spPr>
+        <p:txBody>
+          <a:bodyPr wrap="none" rtlCol="0">
+            <a:spAutoFit/>
+          </a:bodyPr>
+          <a:lstStyle/>
+          <a:p>
+            <a:r>
+              <a:rPr lang="ko-KR" altLang="en-US" dirty="0"/>
+              <a:t>코딩</a:t>
+            </a:r>
+          </a:p>
+        </p:txBody>
+      </p:sp>
+      <p:sp>
+        <p:nvSpPr>
+          <p:cNvPr id="11" name="TextBox 10">
+            <a:extLst>
+              <a:ext uri="{FF2B5EF4-FFF2-40B4-BE49-F238E27FC236}">
+                <a16:creationId xmlns:a16="http://schemas.microsoft.com/office/drawing/2014/main" id="{BE1D231D-2F7F-F83F-96CF-2CDE57F99C49}"/>
+              </a:ext>
+            </a:extLst>
+          </p:cNvPr>
+          <p:cNvSpPr txBox="1"/>
+          <p:nvPr/>
+        </p:nvSpPr>
+        <p:spPr>
+          <a:xfrm>
+            <a:off x="436306" y="989906"/>
+            <a:ext cx="11319388" cy="3970318"/>
+          </a:xfrm>
+          <a:prstGeom prst="rect">
+            <a:avLst/>
+          </a:prstGeom>
+          <a:noFill/>
+        </p:spPr>
+        <p:txBody>
+          <a:bodyPr wrap="square" rtlCol="0">
+            <a:spAutoFit/>
+          </a:bodyPr>
+          <a:lstStyle/>
+          <a:p>
+            <a:pPr marL="285750" indent="-285750">
+              <a:buFontTx/>
+              <a:buChar char="-"/>
+            </a:pPr>
+            <a:r>
+              <a:rPr lang="ko-KR" altLang="en-US" dirty="0"/>
+              <a:t>예언 페이지는 애초에 </a:t>
+            </a:r>
+            <a:r>
+              <a:rPr lang="en-US" altLang="ko-KR" dirty="0" err="1"/>
+              <a:t>StartEvent</a:t>
+            </a:r>
+            <a:r>
+              <a:rPr lang="ko-KR" altLang="en-US" dirty="0"/>
+              <a:t>로</a:t>
+            </a:r>
+            <a:r>
+              <a:rPr lang="en-US" altLang="ko-KR" dirty="0"/>
+              <a:t> </a:t>
+            </a:r>
+            <a:r>
+              <a:rPr lang="ko-KR" altLang="en-US" dirty="0"/>
+              <a:t>분리되어 있으므로 다른 형식으로 코딩해야 함</a:t>
+            </a:r>
+            <a:r>
+              <a:rPr lang="en-US" altLang="ko-KR" dirty="0"/>
+              <a:t>.</a:t>
+            </a:r>
+          </a:p>
+          <a:p>
+            <a:pPr marL="285750" indent="-285750">
+              <a:buFontTx/>
+              <a:buChar char="-"/>
+            </a:pPr>
+            <a:r>
+              <a:rPr lang="en-US" altLang="ko-KR" dirty="0" err="1"/>
+              <a:t>EventStageList</a:t>
+            </a:r>
+            <a:r>
+              <a:rPr lang="ko-KR" altLang="en-US" dirty="0"/>
+              <a:t>에 들어오는 형식은 크게</a:t>
+            </a:r>
+            <a:r>
+              <a:rPr lang="en-US" altLang="ko-KR" dirty="0"/>
+              <a:t>: Battle, Training, Boss, Normal (</a:t>
+            </a:r>
+            <a:r>
+              <a:rPr lang="ko-KR" altLang="en-US" dirty="0"/>
+              <a:t>아니면 이건 </a:t>
+            </a:r>
+            <a:r>
+              <a:rPr lang="en-US" altLang="ko-KR" dirty="0" err="1"/>
+              <a:t>EventStageList</a:t>
+            </a:r>
+            <a:r>
+              <a:rPr lang="ko-KR" altLang="en-US" dirty="0"/>
+              <a:t>라는 폴더 하에 나눠서 넣어볼까</a:t>
+            </a:r>
+            <a:r>
+              <a:rPr lang="en-US" altLang="ko-KR" dirty="0"/>
+              <a:t>?)</a:t>
+            </a:r>
+          </a:p>
+          <a:p>
+            <a:pPr marL="285750" indent="-285750">
+              <a:buFontTx/>
+              <a:buChar char="-"/>
+            </a:pPr>
+            <a:r>
+              <a:rPr lang="ko-KR" altLang="en-US" dirty="0"/>
+              <a:t>얻는 것에 따라서</a:t>
+            </a:r>
+            <a:r>
+              <a:rPr lang="en-US" altLang="ko-KR" dirty="0"/>
+              <a:t>: Item(</a:t>
+            </a:r>
+            <a:r>
+              <a:rPr lang="ko-KR" altLang="en-US" dirty="0"/>
+              <a:t>이건 필요하다면 도구</a:t>
+            </a:r>
+            <a:r>
+              <a:rPr lang="en-US" altLang="ko-KR" dirty="0"/>
+              <a:t>, </a:t>
+            </a:r>
+            <a:r>
+              <a:rPr lang="ko-KR" altLang="en-US" dirty="0"/>
+              <a:t>유물 등으로 세부 분리</a:t>
+            </a:r>
+            <a:r>
+              <a:rPr lang="en-US" altLang="ko-KR" dirty="0"/>
+              <a:t>), Friend, Buff</a:t>
+            </a:r>
+          </a:p>
+          <a:p>
+            <a:pPr marL="285750" indent="-285750">
+              <a:buFontTx/>
+              <a:buChar char="-"/>
+            </a:pPr>
+            <a:r>
+              <a:rPr lang="ko-KR" altLang="en-US" dirty="0"/>
+              <a:t>제한 사항</a:t>
+            </a:r>
+            <a:r>
+              <a:rPr lang="en-US" altLang="ko-KR" dirty="0"/>
+              <a:t>: </a:t>
+            </a:r>
+            <a:r>
+              <a:rPr lang="ko-KR" altLang="en-US" dirty="0"/>
+              <a:t>스테이지 제한</a:t>
+            </a:r>
+            <a:r>
+              <a:rPr lang="en-US" altLang="ko-KR" dirty="0"/>
+              <a:t>, </a:t>
+            </a:r>
+            <a:r>
+              <a:rPr lang="ko-KR" altLang="en-US" dirty="0"/>
+              <a:t>특정 아이템 혹은 동료 필요</a:t>
+            </a:r>
+            <a:r>
+              <a:rPr lang="en-US" altLang="ko-KR" dirty="0"/>
+              <a:t>,</a:t>
+            </a:r>
+            <a:r>
+              <a:rPr lang="ko-KR" altLang="en-US" dirty="0"/>
+              <a:t> 특정 보스 필요 등의 제약 사항</a:t>
+            </a:r>
+            <a:r>
+              <a:rPr lang="en-US" altLang="ko-KR" dirty="0"/>
+              <a:t>.</a:t>
+            </a:r>
+          </a:p>
+          <a:p>
+            <a:pPr marL="285750" indent="-285750">
+              <a:buFontTx/>
+              <a:buChar char="-"/>
+            </a:pPr>
+            <a:r>
+              <a:rPr lang="ko-KR" altLang="en-US" dirty="0"/>
+              <a:t>이벤트의 속성</a:t>
+            </a:r>
+            <a:r>
+              <a:rPr lang="en-US" altLang="ko-KR" dirty="0"/>
+              <a:t>: </a:t>
+            </a:r>
+            <a:r>
+              <a:rPr lang="ko-KR" altLang="en-US" dirty="0"/>
+              <a:t>이익인지 손해인지</a:t>
+            </a:r>
+            <a:r>
+              <a:rPr lang="en-US" altLang="ko-KR" dirty="0"/>
+              <a:t>. </a:t>
+            </a:r>
+          </a:p>
+          <a:p>
+            <a:pPr marL="285750" indent="-285750">
+              <a:buFontTx/>
+              <a:buChar char="-"/>
+            </a:pPr>
+            <a:r>
+              <a:rPr lang="en-US" altLang="ko-KR" dirty="0" err="1"/>
+              <a:t>basicOptionNumber</a:t>
+            </a:r>
+            <a:r>
+              <a:rPr lang="en-US" altLang="ko-KR" dirty="0"/>
+              <a:t>: </a:t>
+            </a:r>
+            <a:r>
+              <a:rPr lang="ko-KR" altLang="en-US" dirty="0"/>
+              <a:t>제약 없이 기본으로 표시되는 </a:t>
+            </a:r>
+            <a:r>
+              <a:rPr lang="en-US" altLang="ko-KR" dirty="0"/>
+              <a:t>option </a:t>
+            </a:r>
+            <a:r>
+              <a:rPr lang="ko-KR" altLang="en-US" dirty="0"/>
+              <a:t>숫자</a:t>
+            </a:r>
+            <a:r>
+              <a:rPr lang="en-US" altLang="ko-KR" dirty="0"/>
+              <a:t>. </a:t>
+            </a:r>
+          </a:p>
+          <a:p>
+            <a:pPr marL="285750" indent="-285750">
+              <a:buFontTx/>
+              <a:buChar char="-"/>
+            </a:pPr>
+            <a:r>
+              <a:rPr lang="en-US" altLang="ko-KR" dirty="0"/>
+              <a:t>dialogue:</a:t>
+            </a:r>
+            <a:r>
+              <a:rPr lang="ko-KR" altLang="en-US" dirty="0"/>
+              <a:t> 이벤트의 설명으로 띄울 텍스트</a:t>
+            </a:r>
+            <a:r>
+              <a:rPr lang="en-US" altLang="ko-KR" dirty="0"/>
+              <a:t>. </a:t>
+            </a:r>
+            <a:r>
+              <a:rPr lang="ko-KR" altLang="en-US" dirty="0"/>
+              <a:t>여기도 만약 제약을 </a:t>
+            </a:r>
+            <a:r>
+              <a:rPr lang="ko-KR" altLang="en-US" dirty="0" err="1"/>
+              <a:t>넣어둘거라면</a:t>
+            </a:r>
+            <a:r>
+              <a:rPr lang="ko-KR" altLang="en-US" dirty="0"/>
+              <a:t> 따로 </a:t>
+            </a:r>
+            <a:r>
+              <a:rPr lang="en-US" altLang="ko-KR" dirty="0"/>
+              <a:t>normal, </a:t>
+            </a:r>
+            <a:r>
+              <a:rPr lang="ko-KR" altLang="en-US" dirty="0"/>
+              <a:t> </a:t>
+            </a:r>
+            <a:r>
+              <a:rPr lang="en-US" altLang="ko-KR" dirty="0"/>
+              <a:t>int – 800 </a:t>
+            </a:r>
+            <a:r>
+              <a:rPr lang="ko-KR" altLang="en-US" dirty="0"/>
+              <a:t>등 만들어놓자</a:t>
+            </a:r>
+            <a:r>
+              <a:rPr lang="en-US" altLang="ko-KR" dirty="0"/>
+              <a:t>.</a:t>
+            </a:r>
+          </a:p>
+          <a:p>
+            <a:pPr marL="285750" indent="-285750">
+              <a:buFontTx/>
+              <a:buChar char="-"/>
+            </a:pPr>
+            <a:r>
+              <a:rPr lang="en-US" altLang="ko-KR" dirty="0"/>
+              <a:t>option:</a:t>
+            </a:r>
+            <a:r>
+              <a:rPr lang="ko-KR" altLang="en-US" dirty="0"/>
+              <a:t> 제한 사항에 따라 표시</a:t>
+            </a:r>
+            <a:r>
+              <a:rPr lang="en-US" altLang="ko-KR" dirty="0"/>
+              <a:t>. Int - 800, Str – 500, normal </a:t>
+            </a:r>
+            <a:r>
+              <a:rPr lang="ko-KR" altLang="en-US" dirty="0"/>
+              <a:t>등으로 표시</a:t>
+            </a:r>
+            <a:r>
+              <a:rPr lang="en-US" altLang="ko-KR" dirty="0"/>
+              <a:t>. Action</a:t>
+            </a:r>
+            <a:r>
+              <a:rPr lang="ko-KR" altLang="en-US" dirty="0"/>
+              <a:t>에 넣을 것을 따로 넣어두기</a:t>
+            </a:r>
+            <a:r>
+              <a:rPr lang="en-US" altLang="ko-KR" dirty="0"/>
+              <a:t>.</a:t>
+            </a:r>
+          </a:p>
+          <a:p>
+            <a:pPr marL="285750" indent="-285750">
+              <a:buFontTx/>
+              <a:buChar char="-"/>
+            </a:pPr>
+            <a:endParaRPr lang="en-US" altLang="ko-KR" dirty="0"/>
+          </a:p>
+          <a:p>
+            <a:pPr marL="285750" indent="-285750">
+              <a:buFontTx/>
+              <a:buChar char="-"/>
+            </a:pPr>
+            <a:endParaRPr lang="en-US" altLang="ko-KR" dirty="0"/>
+          </a:p>
+          <a:p>
+            <a:pPr marL="285750" indent="-285750">
+              <a:buFontTx/>
+              <a:buChar char="-"/>
+            </a:pPr>
+            <a:endParaRPr lang="en-US" altLang="ko-KR" dirty="0"/>
+          </a:p>
+        </p:txBody>
+      </p:sp>
+    </p:spTree>
+    <p:extLst>
+      <p:ext uri="{BB962C8B-B14F-4D97-AF65-F5344CB8AC3E}">
+        <p14:creationId xmlns:p14="http://schemas.microsoft.com/office/powerpoint/2010/main" val="1684597444"/>
+      </p:ext>
+    </p:extLst>
+  </p:cSld>
+  <p:clrMapOvr>
+    <a:masterClrMapping/>
+  </p:clrMapOvr>
+</p:sld>
+</file>
+
 <file path=ppt/slides/slide2.xml><?xml version="1.0" encoding="utf-8"?>
 <p:sld xmlns:a="http://schemas.openxmlformats.org/drawingml/2006/main" xmlns:r="http://schemas.openxmlformats.org/officeDocument/2006/relationships" xmlns:p="http://schemas.openxmlformats.org/presentationml/2006/main">
   <p:cSld>
@@ -6343,11 +6811,7 @@
             </a:r>
             <a:r>
               <a:rPr lang="ko-KR" altLang="en-US" dirty="0"/>
-              <a:t> </a:t>
-            </a:r>
-            <a:r>
-              <a:rPr lang="ko-KR" altLang="en-US" dirty="0" err="1"/>
-              <a:t>정해져있고</a:t>
+              <a:t> 정해져 있고</a:t>
             </a:r>
             <a:r>
               <a:rPr lang="en-US" altLang="ko-KR" dirty="0"/>

--- a/이벤트.pptx
+++ b/이벤트.pptx
@@ -207,7 +207,7 @@
           <a:p>
             <a:fld id="{098D9883-1617-4681-BA43-91DCCEA255A3}" type="datetimeFigureOut">
               <a:rPr lang="ko-KR" altLang="en-US" smtClean="0"/>
-              <a:t>2024-04-12</a:t>
+              <a:t>2024-08-16</a:t>
             </a:fld>
             <a:endParaRPr lang="ko-KR" altLang="en-US"/>
           </a:p>
@@ -1545,7 +1545,7 @@
           <a:p>
             <a:fld id="{5FF1DCF6-4881-4944-A4DB-9A9C3A72CFA7}" type="datetimeFigureOut">
               <a:rPr lang="ko-KR" altLang="en-US" smtClean="0"/>
-              <a:t>2024-04-12</a:t>
+              <a:t>2024-08-16</a:t>
             </a:fld>
             <a:endParaRPr lang="ko-KR" altLang="en-US"/>
           </a:p>
@@ -1743,7 +1743,7 @@
           <a:p>
             <a:fld id="{5FF1DCF6-4881-4944-A4DB-9A9C3A72CFA7}" type="datetimeFigureOut">
               <a:rPr lang="ko-KR" altLang="en-US" smtClean="0"/>
-              <a:t>2024-04-12</a:t>
+              <a:t>2024-08-16</a:t>
             </a:fld>
             <a:endParaRPr lang="ko-KR" altLang="en-US"/>
           </a:p>
@@ -1951,7 +1951,7 @@
           <a:p>
             <a:fld id="{5FF1DCF6-4881-4944-A4DB-9A9C3A72CFA7}" type="datetimeFigureOut">
               <a:rPr lang="ko-KR" altLang="en-US" smtClean="0"/>
-              <a:t>2024-04-12</a:t>
+              <a:t>2024-08-16</a:t>
             </a:fld>
             <a:endParaRPr lang="ko-KR" altLang="en-US"/>
           </a:p>
@@ -2149,7 +2149,7 @@
           <a:p>
             <a:fld id="{5FF1DCF6-4881-4944-A4DB-9A9C3A72CFA7}" type="datetimeFigureOut">
               <a:rPr lang="ko-KR" altLang="en-US" smtClean="0"/>
-              <a:t>2024-04-12</a:t>
+              <a:t>2024-08-16</a:t>
             </a:fld>
             <a:endParaRPr lang="ko-KR" altLang="en-US"/>
           </a:p>
@@ -2424,7 +2424,7 @@
           <a:p>
             <a:fld id="{5FF1DCF6-4881-4944-A4DB-9A9C3A72CFA7}" type="datetimeFigureOut">
               <a:rPr lang="ko-KR" altLang="en-US" smtClean="0"/>
-              <a:t>2024-04-12</a:t>
+              <a:t>2024-08-16</a:t>
             </a:fld>
             <a:endParaRPr lang="ko-KR" altLang="en-US"/>
           </a:p>
@@ -2689,7 +2689,7 @@
           <a:p>
             <a:fld id="{5FF1DCF6-4881-4944-A4DB-9A9C3A72CFA7}" type="datetimeFigureOut">
               <a:rPr lang="ko-KR" altLang="en-US" smtClean="0"/>
-              <a:t>2024-04-12</a:t>
+              <a:t>2024-08-16</a:t>
             </a:fld>
             <a:endParaRPr lang="ko-KR" altLang="en-US"/>
           </a:p>
@@ -3101,7 +3101,7 @@
           <a:p>
             <a:fld id="{5FF1DCF6-4881-4944-A4DB-9A9C3A72CFA7}" type="datetimeFigureOut">
               <a:rPr lang="ko-KR" altLang="en-US" smtClean="0"/>
-              <a:t>2024-04-12</a:t>
+              <a:t>2024-08-16</a:t>
             </a:fld>
             <a:endParaRPr lang="ko-KR" altLang="en-US"/>
           </a:p>
@@ -3242,7 +3242,7 @@
           <a:p>
             <a:fld id="{5FF1DCF6-4881-4944-A4DB-9A9C3A72CFA7}" type="datetimeFigureOut">
               <a:rPr lang="ko-KR" altLang="en-US" smtClean="0"/>
-              <a:t>2024-04-12</a:t>
+              <a:t>2024-08-16</a:t>
             </a:fld>
             <a:endParaRPr lang="ko-KR" altLang="en-US"/>
           </a:p>
@@ -3355,7 +3355,7 @@
           <a:p>
             <a:fld id="{5FF1DCF6-4881-4944-A4DB-9A9C3A72CFA7}" type="datetimeFigureOut">
               <a:rPr lang="ko-KR" altLang="en-US" smtClean="0"/>
-              <a:t>2024-04-12</a:t>
+              <a:t>2024-08-16</a:t>
             </a:fld>
             <a:endParaRPr lang="ko-KR" altLang="en-US"/>
           </a:p>
@@ -3666,7 +3666,7 @@
           <a:p>
             <a:fld id="{5FF1DCF6-4881-4944-A4DB-9A9C3A72CFA7}" type="datetimeFigureOut">
               <a:rPr lang="ko-KR" altLang="en-US" smtClean="0"/>
-              <a:t>2024-04-12</a:t>
+              <a:t>2024-08-16</a:t>
             </a:fld>
             <a:endParaRPr lang="ko-KR" altLang="en-US"/>
           </a:p>
@@ -3954,7 +3954,7 @@
           <a:p>
             <a:fld id="{5FF1DCF6-4881-4944-A4DB-9A9C3A72CFA7}" type="datetimeFigureOut">
               <a:rPr lang="ko-KR" altLang="en-US" smtClean="0"/>
-              <a:t>2024-04-12</a:t>
+              <a:t>2024-08-16</a:t>
             </a:fld>
             <a:endParaRPr lang="ko-KR" altLang="en-US"/>
           </a:p>
@@ -4195,7 +4195,7 @@
           <a:p>
             <a:fld id="{5FF1DCF6-4881-4944-A4DB-9A9C3A72CFA7}" type="datetimeFigureOut">
               <a:rPr lang="ko-KR" altLang="en-US" smtClean="0"/>
-              <a:t>2024-04-12</a:t>
+              <a:t>2024-08-16</a:t>
             </a:fld>
             <a:endParaRPr lang="ko-KR" altLang="en-US"/>
           </a:p>

--- a/이벤트.pptx
+++ b/이벤트.pptx
@@ -207,7 +207,7 @@
           <a:p>
             <a:fld id="{098D9883-1617-4681-BA43-91DCCEA255A3}" type="datetimeFigureOut">
               <a:rPr lang="ko-KR" altLang="en-US" smtClean="0"/>
-              <a:t>2024-08-16</a:t>
+              <a:t>2024-10-09</a:t>
             </a:fld>
             <a:endParaRPr lang="ko-KR" altLang="en-US"/>
           </a:p>
@@ -1545,7 +1545,7 @@
           <a:p>
             <a:fld id="{5FF1DCF6-4881-4944-A4DB-9A9C3A72CFA7}" type="datetimeFigureOut">
               <a:rPr lang="ko-KR" altLang="en-US" smtClean="0"/>
-              <a:t>2024-08-16</a:t>
+              <a:t>2024-10-09</a:t>
             </a:fld>
             <a:endParaRPr lang="ko-KR" altLang="en-US"/>
           </a:p>
@@ -1743,7 +1743,7 @@
           <a:p>
             <a:fld id="{5FF1DCF6-4881-4944-A4DB-9A9C3A72CFA7}" type="datetimeFigureOut">
               <a:rPr lang="ko-KR" altLang="en-US" smtClean="0"/>
-              <a:t>2024-08-16</a:t>
+              <a:t>2024-10-09</a:t>
             </a:fld>
             <a:endParaRPr lang="ko-KR" altLang="en-US"/>
           </a:p>
@@ -1951,7 +1951,7 @@
           <a:p>
             <a:fld id="{5FF1DCF6-4881-4944-A4DB-9A9C3A72CFA7}" type="datetimeFigureOut">
               <a:rPr lang="ko-KR" altLang="en-US" smtClean="0"/>
-              <a:t>2024-08-16</a:t>
+              <a:t>2024-10-09</a:t>
             </a:fld>
             <a:endParaRPr lang="ko-KR" altLang="en-US"/>
           </a:p>
@@ -2149,7 +2149,7 @@
           <a:p>
             <a:fld id="{5FF1DCF6-4881-4944-A4DB-9A9C3A72CFA7}" type="datetimeFigureOut">
               <a:rPr lang="ko-KR" altLang="en-US" smtClean="0"/>
-              <a:t>2024-08-16</a:t>
+              <a:t>2024-10-09</a:t>
             </a:fld>
             <a:endParaRPr lang="ko-KR" altLang="en-US"/>
           </a:p>
@@ -2424,7 +2424,7 @@
           <a:p>
             <a:fld id="{5FF1DCF6-4881-4944-A4DB-9A9C3A72CFA7}" type="datetimeFigureOut">
               <a:rPr lang="ko-KR" altLang="en-US" smtClean="0"/>
-              <a:t>2024-08-16</a:t>
+              <a:t>2024-10-09</a:t>
             </a:fld>
             <a:endParaRPr lang="ko-KR" altLang="en-US"/>
           </a:p>
@@ -2689,7 +2689,7 @@
           <a:p>
             <a:fld id="{5FF1DCF6-4881-4944-A4DB-9A9C3A72CFA7}" type="datetimeFigureOut">
               <a:rPr lang="ko-KR" altLang="en-US" smtClean="0"/>
-              <a:t>2024-08-16</a:t>
+              <a:t>2024-10-09</a:t>
             </a:fld>
             <a:endParaRPr lang="ko-KR" altLang="en-US"/>
           </a:p>
@@ -3101,7 +3101,7 @@
           <a:p>
             <a:fld id="{5FF1DCF6-4881-4944-A4DB-9A9C3A72CFA7}" type="datetimeFigureOut">
               <a:rPr lang="ko-KR" altLang="en-US" smtClean="0"/>
-              <a:t>2024-08-16</a:t>
+              <a:t>2024-10-09</a:t>
             </a:fld>
             <a:endParaRPr lang="ko-KR" altLang="en-US"/>
           </a:p>
@@ -3242,7 +3242,7 @@
           <a:p>
             <a:fld id="{5FF1DCF6-4881-4944-A4DB-9A9C3A72CFA7}" type="datetimeFigureOut">
               <a:rPr lang="ko-KR" altLang="en-US" smtClean="0"/>
-              <a:t>2024-08-16</a:t>
+              <a:t>2024-10-09</a:t>
             </a:fld>
             <a:endParaRPr lang="ko-KR" altLang="en-US"/>
           </a:p>
@@ -3355,7 +3355,7 @@
           <a:p>
             <a:fld id="{5FF1DCF6-4881-4944-A4DB-9A9C3A72CFA7}" type="datetimeFigureOut">
               <a:rPr lang="ko-KR" altLang="en-US" smtClean="0"/>
-              <a:t>2024-08-16</a:t>
+              <a:t>2024-10-09</a:t>
             </a:fld>
             <a:endParaRPr lang="ko-KR" altLang="en-US"/>
           </a:p>
@@ -3666,7 +3666,7 @@
           <a:p>
             <a:fld id="{5FF1DCF6-4881-4944-A4DB-9A9C3A72CFA7}" type="datetimeFigureOut">
               <a:rPr lang="ko-KR" altLang="en-US" smtClean="0"/>
-              <a:t>2024-08-16</a:t>
+              <a:t>2024-10-09</a:t>
             </a:fld>
             <a:endParaRPr lang="ko-KR" altLang="en-US"/>
           </a:p>
@@ -3954,7 +3954,7 @@
           <a:p>
             <a:fld id="{5FF1DCF6-4881-4944-A4DB-9A9C3A72CFA7}" type="datetimeFigureOut">
               <a:rPr lang="ko-KR" altLang="en-US" smtClean="0"/>
-              <a:t>2024-08-16</a:t>
+              <a:t>2024-10-09</a:t>
             </a:fld>
             <a:endParaRPr lang="ko-KR" altLang="en-US"/>
           </a:p>
@@ -4195,7 +4195,7 @@
           <a:p>
             <a:fld id="{5FF1DCF6-4881-4944-A4DB-9A9C3A72CFA7}" type="datetimeFigureOut">
               <a:rPr lang="ko-KR" altLang="en-US" smtClean="0"/>
-              <a:t>2024-08-16</a:t>
+              <a:t>2024-10-09</a:t>
             </a:fld>
             <a:endParaRPr lang="ko-KR" altLang="en-US"/>
           </a:p>
@@ -4662,7 +4662,7 @@
         <p:spPr>
           <a:xfrm>
             <a:off x="487913" y="1003973"/>
-            <a:ext cx="11319388" cy="2031325"/>
+            <a:ext cx="11319388" cy="2862322"/>
           </a:xfrm>
           <a:prstGeom prst="rect">
             <a:avLst/>
@@ -4791,6 +4791,68 @@
               <a:rPr lang="en-US" altLang="ko-KR" dirty="0"/>
               <a:t>.</a:t>
             </a:r>
+          </a:p>
+          <a:p>
+            <a:pPr marL="285750" indent="-285750">
+              <a:buFontTx/>
+              <a:buChar char="-"/>
+            </a:pPr>
+            <a:endParaRPr lang="en-US" altLang="ko-KR" dirty="0"/>
+          </a:p>
+          <a:p>
+            <a:pPr marL="285750" indent="-285750">
+              <a:buFontTx/>
+              <a:buChar char="-"/>
+            </a:pPr>
+            <a:r>
+              <a:rPr lang="ko-KR" altLang="en-US" dirty="0"/>
+              <a:t>기본적으로 </a:t>
+            </a:r>
+            <a:r>
+              <a:rPr lang="ko-KR" altLang="en-US" dirty="0" err="1"/>
+              <a:t>그리스로마신화를</a:t>
+            </a:r>
+            <a:r>
+              <a:rPr lang="ko-KR" altLang="en-US" dirty="0"/>
+              <a:t> 사용하다 보니</a:t>
+            </a:r>
+            <a:r>
+              <a:rPr lang="en-US" altLang="ko-KR" dirty="0"/>
+              <a:t>, </a:t>
+            </a:r>
+            <a:r>
+              <a:rPr lang="ko-KR" altLang="en-US" dirty="0"/>
+              <a:t>다양한 적들과 아이템</a:t>
+            </a:r>
+            <a:r>
+              <a:rPr lang="en-US" altLang="ko-KR" dirty="0"/>
+              <a:t>, </a:t>
+            </a:r>
+            <a:r>
+              <a:rPr lang="ko-KR" altLang="en-US" dirty="0"/>
+              <a:t>그리고 이벤트들의 순서가 애매함</a:t>
+            </a:r>
+            <a:r>
+              <a:rPr lang="en-US" altLang="ko-KR" dirty="0"/>
+              <a:t>. </a:t>
+            </a:r>
+            <a:r>
+              <a:rPr lang="ko-KR" altLang="en-US" dirty="0"/>
+              <a:t>어쩌면 특정 적들과 아이템은 특정 이벤트 이후에만 등장하게 </a:t>
+            </a:r>
+            <a:r>
+              <a:rPr lang="ko-KR" altLang="en-US" dirty="0" err="1"/>
+              <a:t>하는것도</a:t>
+            </a:r>
+            <a:r>
+              <a:rPr lang="ko-KR" altLang="en-US" dirty="0"/>
+              <a:t> 방법일수도</a:t>
+            </a:r>
+            <a:r>
+              <a:rPr lang="en-US" altLang="ko-KR"/>
+              <a:t>.</a:t>
+            </a:r>
+            <a:endParaRPr lang="en-US" altLang="ko-KR" dirty="0"/>
           </a:p>
         </p:txBody>
       </p:sp>
